--- a/GIS - LOD 0.3.pptx
+++ b/GIS - LOD 0.3.pptx
@@ -10909,7 +10909,7 @@
                 <a:cs typeface="Arial Bold" pitchFamily="34" charset="0"/>
                 <a:sym typeface="Gotham Book" charset="0"/>
               </a:rPr>
-              <a:t>Demand based, easy spin-up and spin-off</a:t>
+              <a:t>Demand based, easy spin-up and spin-down</a:t>
             </a:r>
           </a:p>
         </p:txBody>
@@ -11554,7 +11554,7 @@
           <a:graphicData uri="http://schemas.openxmlformats.org/presentationml/2006/ole">
             <mc:AlternateContent xmlns:mc="http://schemas.openxmlformats.org/markup-compatibility/2006">
               <mc:Choice xmlns:v="urn:schemas-microsoft-com:vml" Requires="v">
-                <p:oleObj spid="_x0000_s6150" name="Packager Shell Object" showAsIcon="1" r:id="rId4" imgW="1013760" imgH="481320" progId="Package">
+                <p:oleObj spid="_x0000_s6151" name="Packager Shell Object" showAsIcon="1" r:id="rId4" imgW="1013760" imgH="481320" progId="Package">
                   <p:embed/>
                 </p:oleObj>
               </mc:Choice>
